--- a/images/UI.pptx
+++ b/images/UI.pptx
@@ -28,6 +28,15 @@
     <p:sldId id="274" r:id="rId22"/>
     <p:sldId id="273" r:id="rId23"/>
     <p:sldId id="278" r:id="rId24"/>
+    <p:sldId id="281" r:id="rId25"/>
+    <p:sldId id="282" r:id="rId26"/>
+    <p:sldId id="283" r:id="rId27"/>
+    <p:sldId id="284" r:id="rId28"/>
+    <p:sldId id="285" r:id="rId29"/>
+    <p:sldId id="286" r:id="rId30"/>
+    <p:sldId id="288" r:id="rId31"/>
+    <p:sldId id="289" r:id="rId32"/>
+    <p:sldId id="287" r:id="rId33"/>
   </p:sldIdLst>
   <p:sldSz cx="9144000" cy="10972800"/>
   <p:notesSz cx="6858000" cy="9144000"/>
@@ -265,7 +274,7 @@
           <a:p>
             <a:fld id="{5AE17356-976A-46F1-B9E5-B55865434E8F}" type="datetimeFigureOut">
               <a:rPr lang="en-US" smtClean="0"/>
-              <a:t>7/14/2019</a:t>
+              <a:t>5/24/20</a:t>
             </a:fld>
             <a:endParaRPr lang="en-US"/>
           </a:p>
@@ -435,7 +444,7 @@
           <a:p>
             <a:fld id="{5AE17356-976A-46F1-B9E5-B55865434E8F}" type="datetimeFigureOut">
               <a:rPr lang="en-US" smtClean="0"/>
-              <a:t>7/14/2019</a:t>
+              <a:t>5/24/20</a:t>
             </a:fld>
             <a:endParaRPr lang="en-US"/>
           </a:p>
@@ -615,7 +624,7 @@
           <a:p>
             <a:fld id="{5AE17356-976A-46F1-B9E5-B55865434E8F}" type="datetimeFigureOut">
               <a:rPr lang="en-US" smtClean="0"/>
-              <a:t>7/14/2019</a:t>
+              <a:t>5/24/20</a:t>
             </a:fld>
             <a:endParaRPr lang="en-US"/>
           </a:p>
@@ -785,7 +794,7 @@
           <a:p>
             <a:fld id="{5AE17356-976A-46F1-B9E5-B55865434E8F}" type="datetimeFigureOut">
               <a:rPr lang="en-US" smtClean="0"/>
-              <a:t>7/14/2019</a:t>
+              <a:t>5/24/20</a:t>
             </a:fld>
             <a:endParaRPr lang="en-US"/>
           </a:p>
@@ -1029,7 +1038,7 @@
           <a:p>
             <a:fld id="{5AE17356-976A-46F1-B9E5-B55865434E8F}" type="datetimeFigureOut">
               <a:rPr lang="en-US" smtClean="0"/>
-              <a:t>7/14/2019</a:t>
+              <a:t>5/24/20</a:t>
             </a:fld>
             <a:endParaRPr lang="en-US"/>
           </a:p>
@@ -1261,7 +1270,7 @@
           <a:p>
             <a:fld id="{5AE17356-976A-46F1-B9E5-B55865434E8F}" type="datetimeFigureOut">
               <a:rPr lang="en-US" smtClean="0"/>
-              <a:t>7/14/2019</a:t>
+              <a:t>5/24/20</a:t>
             </a:fld>
             <a:endParaRPr lang="en-US"/>
           </a:p>
@@ -1628,7 +1637,7 @@
           <a:p>
             <a:fld id="{5AE17356-976A-46F1-B9E5-B55865434E8F}" type="datetimeFigureOut">
               <a:rPr lang="en-US" smtClean="0"/>
-              <a:t>7/14/2019</a:t>
+              <a:t>5/24/20</a:t>
             </a:fld>
             <a:endParaRPr lang="en-US"/>
           </a:p>
@@ -1746,7 +1755,7 @@
           <a:p>
             <a:fld id="{5AE17356-976A-46F1-B9E5-B55865434E8F}" type="datetimeFigureOut">
               <a:rPr lang="en-US" smtClean="0"/>
-              <a:t>7/14/2019</a:t>
+              <a:t>5/24/20</a:t>
             </a:fld>
             <a:endParaRPr lang="en-US"/>
           </a:p>
@@ -1841,7 +1850,7 @@
           <a:p>
             <a:fld id="{5AE17356-976A-46F1-B9E5-B55865434E8F}" type="datetimeFigureOut">
               <a:rPr lang="en-US" smtClean="0"/>
-              <a:t>7/14/2019</a:t>
+              <a:t>5/24/20</a:t>
             </a:fld>
             <a:endParaRPr lang="en-US"/>
           </a:p>
@@ -2118,7 +2127,7 @@
           <a:p>
             <a:fld id="{5AE17356-976A-46F1-B9E5-B55865434E8F}" type="datetimeFigureOut">
               <a:rPr lang="en-US" smtClean="0"/>
-              <a:t>7/14/2019</a:t>
+              <a:t>5/24/20</a:t>
             </a:fld>
             <a:endParaRPr lang="en-US"/>
           </a:p>
@@ -2375,7 +2384,7 @@
           <a:p>
             <a:fld id="{5AE17356-976A-46F1-B9E5-B55865434E8F}" type="datetimeFigureOut">
               <a:rPr lang="en-US" smtClean="0"/>
-              <a:t>7/14/2019</a:t>
+              <a:t>5/24/20</a:t>
             </a:fld>
             <a:endParaRPr lang="en-US"/>
           </a:p>
@@ -2588,7 +2597,7 @@
           <a:p>
             <a:fld id="{5AE17356-976A-46F1-B9E5-B55865434E8F}" type="datetimeFigureOut">
               <a:rPr lang="en-US" smtClean="0"/>
-              <a:t>7/14/2019</a:t>
+              <a:t>5/24/20</a:t>
             </a:fld>
             <a:endParaRPr lang="en-US"/>
           </a:p>
@@ -14172,6 +14181,870 @@
 </p:sld>
 </file>
 
+<file path=ppt/slides/slide24.xml><?xml version="1.0" encoding="utf-8"?>
+<p:sld xmlns:a="http://schemas.openxmlformats.org/drawingml/2006/main" xmlns:r="http://schemas.openxmlformats.org/officeDocument/2006/relationships" xmlns:p="http://schemas.openxmlformats.org/presentationml/2006/main">
+  <p:cSld>
+    <p:bg>
+      <p:bgPr>
+        <a:solidFill>
+          <a:srgbClr val="B2A2C4"/>
+        </a:solidFill>
+        <a:effectLst/>
+      </p:bgPr>
+    </p:bg>
+    <p:spTree>
+      <p:nvGrpSpPr>
+        <p:cNvPr id="1" name=""/>
+        <p:cNvGrpSpPr/>
+        <p:nvPr/>
+      </p:nvGrpSpPr>
+      <p:grpSpPr>
+        <a:xfrm>
+          <a:off x="0" y="0"/>
+          <a:ext cx="0" cy="0"/>
+          <a:chOff x="0" y="0"/>
+          <a:chExt cx="0" cy="0"/>
+        </a:xfrm>
+      </p:grpSpPr>
+      <p:sp>
+        <p:nvSpPr>
+          <p:cNvPr id="2" name="Rectangle: Rounded Corners 5">
+            <a:extLst>
+              <a:ext uri="{FF2B5EF4-FFF2-40B4-BE49-F238E27FC236}">
+                <a16:creationId xmlns:a16="http://schemas.microsoft.com/office/drawing/2014/main" id="{FB15223F-50E1-C74F-B882-6096CD094167}"/>
+              </a:ext>
+            </a:extLst>
+          </p:cNvPr>
+          <p:cNvSpPr/>
+          <p:nvPr/>
+        </p:nvSpPr>
+        <p:spPr>
+          <a:xfrm>
+            <a:off x="1018392" y="448176"/>
+            <a:ext cx="7107216" cy="9986802"/>
+          </a:xfrm>
+          <a:prstGeom prst="roundRect">
+            <a:avLst/>
+          </a:prstGeom>
+          <a:solidFill>
+            <a:srgbClr val="B2A2C3"/>
+          </a:solidFill>
+          <a:ln w="508000">
+            <a:solidFill>
+              <a:srgbClr val="6A8640"/>
+            </a:solidFill>
+          </a:ln>
+        </p:spPr>
+        <p:style>
+          <a:lnRef idx="2">
+            <a:schemeClr val="accent1">
+              <a:shade val="50000"/>
+            </a:schemeClr>
+          </a:lnRef>
+          <a:fillRef idx="1">
+            <a:schemeClr val="accent1"/>
+          </a:fillRef>
+          <a:effectRef idx="0">
+            <a:schemeClr val="accent1"/>
+          </a:effectRef>
+          <a:fontRef idx="minor">
+            <a:schemeClr val="lt1"/>
+          </a:fontRef>
+        </p:style>
+        <p:txBody>
+          <a:bodyPr rtlCol="0" anchor="ctr"/>
+          <a:lstStyle/>
+          <a:p>
+            <a:pPr algn="ctr"/>
+            <a:endParaRPr lang="en-US" sz="11000" dirty="0">
+              <a:solidFill>
+                <a:srgbClr val="FFD360"/>
+              </a:solidFill>
+              <a:latin typeface="Barlow" pitchFamily="2" charset="77"/>
+            </a:endParaRPr>
+          </a:p>
+        </p:txBody>
+      </p:sp>
+      <p:sp>
+        <p:nvSpPr>
+          <p:cNvPr id="3" name="TextBox 2">
+            <a:extLst>
+              <a:ext uri="{FF2B5EF4-FFF2-40B4-BE49-F238E27FC236}">
+                <a16:creationId xmlns:a16="http://schemas.microsoft.com/office/drawing/2014/main" id="{A930BA6D-B8B9-9145-A54F-9FD0A35C8A7C}"/>
+              </a:ext>
+            </a:extLst>
+          </p:cNvPr>
+          <p:cNvSpPr txBox="1"/>
+          <p:nvPr/>
+        </p:nvSpPr>
+        <p:spPr>
+          <a:xfrm>
+            <a:off x="1336459" y="-679820"/>
+            <a:ext cx="2598628" cy="5863144"/>
+          </a:xfrm>
+          <a:prstGeom prst="rect">
+            <a:avLst/>
+          </a:prstGeom>
+          <a:noFill/>
+        </p:spPr>
+        <p:txBody>
+          <a:bodyPr wrap="square" rtlCol="0">
+            <a:spAutoFit/>
+          </a:bodyPr>
+          <a:lstStyle/>
+          <a:p>
+            <a:pPr algn="ctr"/>
+            <a:r>
+              <a:rPr lang="en-US" sz="37500" b="1" dirty="0">
+                <a:solidFill>
+                  <a:srgbClr val="FFD360"/>
+                </a:solidFill>
+                <a:latin typeface="Barlow" pitchFamily="2" charset="77"/>
+              </a:rPr>
+              <a:t>A</a:t>
+            </a:r>
+          </a:p>
+        </p:txBody>
+      </p:sp>
+      <p:sp>
+        <p:nvSpPr>
+          <p:cNvPr id="6" name="TextBox 5">
+            <a:extLst>
+              <a:ext uri="{FF2B5EF4-FFF2-40B4-BE49-F238E27FC236}">
+                <a16:creationId xmlns:a16="http://schemas.microsoft.com/office/drawing/2014/main" id="{D48C5235-FDDF-2E48-A27C-CFD516826FD8}"/>
+              </a:ext>
+            </a:extLst>
+          </p:cNvPr>
+          <p:cNvSpPr txBox="1"/>
+          <p:nvPr/>
+        </p:nvSpPr>
+        <p:spPr>
+          <a:xfrm>
+            <a:off x="3272686" y="2362468"/>
+            <a:ext cx="2598628" cy="5863144"/>
+          </a:xfrm>
+          <a:prstGeom prst="rect">
+            <a:avLst/>
+          </a:prstGeom>
+          <a:noFill/>
+        </p:spPr>
+        <p:txBody>
+          <a:bodyPr wrap="square" rtlCol="0">
+            <a:spAutoFit/>
+          </a:bodyPr>
+          <a:lstStyle/>
+          <a:p>
+            <a:pPr algn="ctr"/>
+            <a:r>
+              <a:rPr lang="en-US" sz="37500" b="1" dirty="0">
+                <a:solidFill>
+                  <a:srgbClr val="FFD360"/>
+                </a:solidFill>
+                <a:latin typeface="Barlow" pitchFamily="2" charset="77"/>
+              </a:rPr>
+              <a:t>G</a:t>
+            </a:r>
+          </a:p>
+        </p:txBody>
+      </p:sp>
+      <p:sp>
+        <p:nvSpPr>
+          <p:cNvPr id="7" name="TextBox 6">
+            <a:extLst>
+              <a:ext uri="{FF2B5EF4-FFF2-40B4-BE49-F238E27FC236}">
+                <a16:creationId xmlns:a16="http://schemas.microsoft.com/office/drawing/2014/main" id="{799C9BFA-62BB-3D43-AE2D-5C5813BB36FF}"/>
+              </a:ext>
+            </a:extLst>
+          </p:cNvPr>
+          <p:cNvSpPr txBox="1"/>
+          <p:nvPr/>
+        </p:nvSpPr>
+        <p:spPr>
+          <a:xfrm>
+            <a:off x="5236602" y="5300437"/>
+            <a:ext cx="2598628" cy="5863144"/>
+          </a:xfrm>
+          <a:prstGeom prst="rect">
+            <a:avLst/>
+          </a:prstGeom>
+          <a:noFill/>
+        </p:spPr>
+        <p:txBody>
+          <a:bodyPr wrap="square" rtlCol="0">
+            <a:spAutoFit/>
+          </a:bodyPr>
+          <a:lstStyle/>
+          <a:p>
+            <a:pPr algn="ctr"/>
+            <a:r>
+              <a:rPr lang="en-US" sz="37500" b="1" dirty="0">
+                <a:solidFill>
+                  <a:srgbClr val="FFD360"/>
+                </a:solidFill>
+                <a:latin typeface="Barlow" pitchFamily="2" charset="77"/>
+              </a:rPr>
+              <a:t>V</a:t>
+            </a:r>
+          </a:p>
+        </p:txBody>
+      </p:sp>
+    </p:spTree>
+    <p:extLst>
+      <p:ext uri="{BB962C8B-B14F-4D97-AF65-F5344CB8AC3E}">
+        <p14:creationId xmlns:p14="http://schemas.microsoft.com/office/powerpoint/2010/main" val="1781244266"/>
+      </p:ext>
+    </p:extLst>
+  </p:cSld>
+  <p:clrMapOvr>
+    <a:masterClrMapping/>
+  </p:clrMapOvr>
+</p:sld>
+</file>
+
+<file path=ppt/slides/slide25.xml><?xml version="1.0" encoding="utf-8"?>
+<p:sld xmlns:a="http://schemas.openxmlformats.org/drawingml/2006/main" xmlns:r="http://schemas.openxmlformats.org/officeDocument/2006/relationships" xmlns:p="http://schemas.openxmlformats.org/presentationml/2006/main">
+  <p:cSld>
+    <p:bg>
+      <p:bgPr>
+        <a:solidFill>
+          <a:srgbClr val="B2A2C4"/>
+        </a:solidFill>
+        <a:effectLst/>
+      </p:bgPr>
+    </p:bg>
+    <p:spTree>
+      <p:nvGrpSpPr>
+        <p:cNvPr id="1" name=""/>
+        <p:cNvGrpSpPr/>
+        <p:nvPr/>
+      </p:nvGrpSpPr>
+      <p:grpSpPr>
+        <a:xfrm>
+          <a:off x="0" y="0"/>
+          <a:ext cx="0" cy="0"/>
+          <a:chOff x="0" y="0"/>
+          <a:chExt cx="0" cy="0"/>
+        </a:xfrm>
+      </p:grpSpPr>
+      <p:sp>
+        <p:nvSpPr>
+          <p:cNvPr id="2" name="Rectangle: Rounded Corners 5">
+            <a:extLst>
+              <a:ext uri="{FF2B5EF4-FFF2-40B4-BE49-F238E27FC236}">
+                <a16:creationId xmlns:a16="http://schemas.microsoft.com/office/drawing/2014/main" id="{FB15223F-50E1-C74F-B882-6096CD094167}"/>
+              </a:ext>
+            </a:extLst>
+          </p:cNvPr>
+          <p:cNvSpPr/>
+          <p:nvPr/>
+        </p:nvSpPr>
+        <p:spPr>
+          <a:xfrm>
+            <a:off x="1018392" y="448176"/>
+            <a:ext cx="7107216" cy="9986802"/>
+          </a:xfrm>
+          <a:prstGeom prst="roundRect">
+            <a:avLst/>
+          </a:prstGeom>
+          <a:solidFill>
+            <a:srgbClr val="B2A2C3"/>
+          </a:solidFill>
+          <a:ln w="508000">
+            <a:solidFill>
+              <a:srgbClr val="6A8640"/>
+            </a:solidFill>
+          </a:ln>
+        </p:spPr>
+        <p:style>
+          <a:lnRef idx="2">
+            <a:schemeClr val="accent1">
+              <a:shade val="50000"/>
+            </a:schemeClr>
+          </a:lnRef>
+          <a:fillRef idx="1">
+            <a:schemeClr val="accent1"/>
+          </a:fillRef>
+          <a:effectRef idx="0">
+            <a:schemeClr val="accent1"/>
+          </a:effectRef>
+          <a:fontRef idx="minor">
+            <a:schemeClr val="lt1"/>
+          </a:fontRef>
+        </p:style>
+        <p:txBody>
+          <a:bodyPr rtlCol="0" anchor="ctr"/>
+          <a:lstStyle/>
+          <a:p>
+            <a:pPr algn="ctr"/>
+            <a:endParaRPr lang="en-US" sz="11000" dirty="0">
+              <a:solidFill>
+                <a:srgbClr val="FFD360"/>
+              </a:solidFill>
+              <a:latin typeface="Barlow" pitchFamily="2" charset="77"/>
+            </a:endParaRPr>
+          </a:p>
+        </p:txBody>
+      </p:sp>
+      <p:sp>
+        <p:nvSpPr>
+          <p:cNvPr id="3" name="TextBox 2">
+            <a:extLst>
+              <a:ext uri="{FF2B5EF4-FFF2-40B4-BE49-F238E27FC236}">
+                <a16:creationId xmlns:a16="http://schemas.microsoft.com/office/drawing/2014/main" id="{A930BA6D-B8B9-9145-A54F-9FD0A35C8A7C}"/>
+              </a:ext>
+            </a:extLst>
+          </p:cNvPr>
+          <p:cNvSpPr txBox="1"/>
+          <p:nvPr/>
+        </p:nvSpPr>
+        <p:spPr>
+          <a:xfrm>
+            <a:off x="1254815" y="-140971"/>
+            <a:ext cx="2598628" cy="4708981"/>
+          </a:xfrm>
+          <a:prstGeom prst="rect">
+            <a:avLst/>
+          </a:prstGeom>
+          <a:noFill/>
+        </p:spPr>
+        <p:txBody>
+          <a:bodyPr wrap="square" rtlCol="0">
+            <a:spAutoFit/>
+          </a:bodyPr>
+          <a:lstStyle/>
+          <a:p>
+            <a:pPr algn="ctr"/>
+            <a:r>
+              <a:rPr lang="en-US" sz="30000" b="1" dirty="0">
+                <a:solidFill>
+                  <a:srgbClr val="FFD360"/>
+                </a:solidFill>
+                <a:latin typeface="Barlow" pitchFamily="2" charset="77"/>
+              </a:rPr>
+              <a:t>A</a:t>
+            </a:r>
+          </a:p>
+        </p:txBody>
+      </p:sp>
+      <p:sp>
+        <p:nvSpPr>
+          <p:cNvPr id="6" name="TextBox 5">
+            <a:extLst>
+              <a:ext uri="{FF2B5EF4-FFF2-40B4-BE49-F238E27FC236}">
+                <a16:creationId xmlns:a16="http://schemas.microsoft.com/office/drawing/2014/main" id="{D48C5235-FDDF-2E48-A27C-CFD516826FD8}"/>
+              </a:ext>
+            </a:extLst>
+          </p:cNvPr>
+          <p:cNvSpPr txBox="1"/>
+          <p:nvPr/>
+        </p:nvSpPr>
+        <p:spPr>
+          <a:xfrm>
+            <a:off x="3272686" y="3087086"/>
+            <a:ext cx="2598628" cy="4708981"/>
+          </a:xfrm>
+          <a:prstGeom prst="rect">
+            <a:avLst/>
+          </a:prstGeom>
+          <a:noFill/>
+        </p:spPr>
+        <p:txBody>
+          <a:bodyPr wrap="square" rtlCol="0">
+            <a:spAutoFit/>
+          </a:bodyPr>
+          <a:lstStyle/>
+          <a:p>
+            <a:pPr algn="ctr"/>
+            <a:r>
+              <a:rPr lang="en-US" sz="30000" b="1" dirty="0">
+                <a:solidFill>
+                  <a:srgbClr val="FFD360"/>
+                </a:solidFill>
+                <a:latin typeface="Barlow" pitchFamily="2" charset="77"/>
+              </a:rPr>
+              <a:t>G</a:t>
+            </a:r>
+          </a:p>
+        </p:txBody>
+      </p:sp>
+      <p:sp>
+        <p:nvSpPr>
+          <p:cNvPr id="7" name="TextBox 6">
+            <a:extLst>
+              <a:ext uri="{FF2B5EF4-FFF2-40B4-BE49-F238E27FC236}">
+                <a16:creationId xmlns:a16="http://schemas.microsoft.com/office/drawing/2014/main" id="{799C9BFA-62BB-3D43-AE2D-5C5813BB36FF}"/>
+              </a:ext>
+            </a:extLst>
+          </p:cNvPr>
+          <p:cNvSpPr txBox="1"/>
+          <p:nvPr/>
+        </p:nvSpPr>
+        <p:spPr>
+          <a:xfrm>
+            <a:off x="5318247" y="6067889"/>
+            <a:ext cx="2598628" cy="4708981"/>
+          </a:xfrm>
+          <a:prstGeom prst="rect">
+            <a:avLst/>
+          </a:prstGeom>
+          <a:noFill/>
+        </p:spPr>
+        <p:txBody>
+          <a:bodyPr wrap="square" rtlCol="0">
+            <a:spAutoFit/>
+          </a:bodyPr>
+          <a:lstStyle/>
+          <a:p>
+            <a:pPr algn="ctr"/>
+            <a:r>
+              <a:rPr lang="en-US" sz="30000" b="1" dirty="0">
+                <a:solidFill>
+                  <a:srgbClr val="FFD360"/>
+                </a:solidFill>
+                <a:latin typeface="Barlow" pitchFamily="2" charset="77"/>
+              </a:rPr>
+              <a:t>V</a:t>
+            </a:r>
+          </a:p>
+        </p:txBody>
+      </p:sp>
+    </p:spTree>
+    <p:extLst>
+      <p:ext uri="{BB962C8B-B14F-4D97-AF65-F5344CB8AC3E}">
+        <p14:creationId xmlns:p14="http://schemas.microsoft.com/office/powerpoint/2010/main" val="2556051000"/>
+      </p:ext>
+    </p:extLst>
+  </p:cSld>
+  <p:clrMapOvr>
+    <a:masterClrMapping/>
+  </p:clrMapOvr>
+</p:sld>
+</file>
+
+<file path=ppt/slides/slide26.xml><?xml version="1.0" encoding="utf-8"?>
+<p:sld xmlns:a="http://schemas.openxmlformats.org/drawingml/2006/main" xmlns:r="http://schemas.openxmlformats.org/officeDocument/2006/relationships" xmlns:p="http://schemas.openxmlformats.org/presentationml/2006/main">
+  <p:cSld>
+    <p:bg>
+      <p:bgPr>
+        <a:solidFill>
+          <a:srgbClr val="B2A2C4"/>
+        </a:solidFill>
+        <a:effectLst/>
+      </p:bgPr>
+    </p:bg>
+    <p:spTree>
+      <p:nvGrpSpPr>
+        <p:cNvPr id="1" name=""/>
+        <p:cNvGrpSpPr/>
+        <p:nvPr/>
+      </p:nvGrpSpPr>
+      <p:grpSpPr>
+        <a:xfrm>
+          <a:off x="0" y="0"/>
+          <a:ext cx="0" cy="0"/>
+          <a:chOff x="0" y="0"/>
+          <a:chExt cx="0" cy="0"/>
+        </a:xfrm>
+      </p:grpSpPr>
+      <p:sp>
+        <p:nvSpPr>
+          <p:cNvPr id="2" name="Rectangle: Rounded Corners 5">
+            <a:extLst>
+              <a:ext uri="{FF2B5EF4-FFF2-40B4-BE49-F238E27FC236}">
+                <a16:creationId xmlns:a16="http://schemas.microsoft.com/office/drawing/2014/main" id="{FB15223F-50E1-C74F-B882-6096CD094167}"/>
+              </a:ext>
+            </a:extLst>
+          </p:cNvPr>
+          <p:cNvSpPr/>
+          <p:nvPr/>
+        </p:nvSpPr>
+        <p:spPr>
+          <a:xfrm>
+            <a:off x="1018392" y="448176"/>
+            <a:ext cx="7107216" cy="9986802"/>
+          </a:xfrm>
+          <a:prstGeom prst="roundRect">
+            <a:avLst/>
+          </a:prstGeom>
+          <a:solidFill>
+            <a:srgbClr val="B2A2C3"/>
+          </a:solidFill>
+          <a:ln w="508000">
+            <a:solidFill>
+              <a:srgbClr val="6A8640"/>
+            </a:solidFill>
+          </a:ln>
+        </p:spPr>
+        <p:style>
+          <a:lnRef idx="2">
+            <a:schemeClr val="accent1">
+              <a:shade val="50000"/>
+            </a:schemeClr>
+          </a:lnRef>
+          <a:fillRef idx="1">
+            <a:schemeClr val="accent1"/>
+          </a:fillRef>
+          <a:effectRef idx="0">
+            <a:schemeClr val="accent1"/>
+          </a:effectRef>
+          <a:fontRef idx="minor">
+            <a:schemeClr val="lt1"/>
+          </a:fontRef>
+        </p:style>
+        <p:txBody>
+          <a:bodyPr rtlCol="0" anchor="ctr"/>
+          <a:lstStyle/>
+          <a:p>
+            <a:pPr algn="ctr"/>
+            <a:endParaRPr lang="en-US" sz="11000" dirty="0">
+              <a:solidFill>
+                <a:srgbClr val="FFD360"/>
+              </a:solidFill>
+              <a:latin typeface="Barlow" pitchFamily="2" charset="77"/>
+            </a:endParaRPr>
+          </a:p>
+        </p:txBody>
+      </p:sp>
+      <p:sp>
+        <p:nvSpPr>
+          <p:cNvPr id="3" name="TextBox 2">
+            <a:extLst>
+              <a:ext uri="{FF2B5EF4-FFF2-40B4-BE49-F238E27FC236}">
+                <a16:creationId xmlns:a16="http://schemas.microsoft.com/office/drawing/2014/main" id="{A930BA6D-B8B9-9145-A54F-9FD0A35C8A7C}"/>
+              </a:ext>
+            </a:extLst>
+          </p:cNvPr>
+          <p:cNvSpPr txBox="1"/>
+          <p:nvPr/>
+        </p:nvSpPr>
+        <p:spPr>
+          <a:xfrm>
+            <a:off x="1192469" y="-473483"/>
+            <a:ext cx="2598628" cy="5093702"/>
+          </a:xfrm>
+          <a:prstGeom prst="rect">
+            <a:avLst/>
+          </a:prstGeom>
+          <a:noFill/>
+        </p:spPr>
+        <p:txBody>
+          <a:bodyPr wrap="square" rtlCol="0">
+            <a:spAutoFit/>
+          </a:bodyPr>
+          <a:lstStyle/>
+          <a:p>
+            <a:pPr algn="ctr"/>
+            <a:r>
+              <a:rPr lang="en-US" sz="32500" b="1" dirty="0">
+                <a:solidFill>
+                  <a:srgbClr val="FFD360"/>
+                </a:solidFill>
+                <a:latin typeface="Barlow" pitchFamily="2" charset="77"/>
+              </a:rPr>
+              <a:t>A</a:t>
+            </a:r>
+          </a:p>
+        </p:txBody>
+      </p:sp>
+      <p:sp>
+        <p:nvSpPr>
+          <p:cNvPr id="6" name="TextBox 5">
+            <a:extLst>
+              <a:ext uri="{FF2B5EF4-FFF2-40B4-BE49-F238E27FC236}">
+                <a16:creationId xmlns:a16="http://schemas.microsoft.com/office/drawing/2014/main" id="{D48C5235-FDDF-2E48-A27C-CFD516826FD8}"/>
+              </a:ext>
+            </a:extLst>
+          </p:cNvPr>
+          <p:cNvSpPr txBox="1"/>
+          <p:nvPr/>
+        </p:nvSpPr>
+        <p:spPr>
+          <a:xfrm>
+            <a:off x="3272686" y="2939549"/>
+            <a:ext cx="2598628" cy="5093702"/>
+          </a:xfrm>
+          <a:prstGeom prst="rect">
+            <a:avLst/>
+          </a:prstGeom>
+          <a:noFill/>
+        </p:spPr>
+        <p:txBody>
+          <a:bodyPr wrap="square" rtlCol="0">
+            <a:spAutoFit/>
+          </a:bodyPr>
+          <a:lstStyle/>
+          <a:p>
+            <a:pPr algn="ctr"/>
+            <a:r>
+              <a:rPr lang="en-US" sz="32500" b="1" dirty="0">
+                <a:solidFill>
+                  <a:srgbClr val="FFD360"/>
+                </a:solidFill>
+                <a:latin typeface="Barlow" pitchFamily="2" charset="77"/>
+              </a:rPr>
+              <a:t>G</a:t>
+            </a:r>
+          </a:p>
+        </p:txBody>
+      </p:sp>
+      <p:sp>
+        <p:nvSpPr>
+          <p:cNvPr id="7" name="TextBox 6">
+            <a:extLst>
+              <a:ext uri="{FF2B5EF4-FFF2-40B4-BE49-F238E27FC236}">
+                <a16:creationId xmlns:a16="http://schemas.microsoft.com/office/drawing/2014/main" id="{799C9BFA-62BB-3D43-AE2D-5C5813BB36FF}"/>
+              </a:ext>
+            </a:extLst>
+          </p:cNvPr>
+          <p:cNvSpPr txBox="1"/>
+          <p:nvPr/>
+        </p:nvSpPr>
+        <p:spPr>
+          <a:xfrm>
+            <a:off x="5401375" y="5860069"/>
+            <a:ext cx="2598628" cy="5093702"/>
+          </a:xfrm>
+          <a:prstGeom prst="rect">
+            <a:avLst/>
+          </a:prstGeom>
+          <a:noFill/>
+        </p:spPr>
+        <p:txBody>
+          <a:bodyPr wrap="square" rtlCol="0">
+            <a:spAutoFit/>
+          </a:bodyPr>
+          <a:lstStyle/>
+          <a:p>
+            <a:pPr algn="ctr"/>
+            <a:r>
+              <a:rPr lang="en-US" sz="32500" b="1" dirty="0">
+                <a:solidFill>
+                  <a:srgbClr val="FFD360"/>
+                </a:solidFill>
+                <a:latin typeface="Barlow" pitchFamily="2" charset="77"/>
+              </a:rPr>
+              <a:t>V</a:t>
+            </a:r>
+          </a:p>
+        </p:txBody>
+      </p:sp>
+    </p:spTree>
+    <p:extLst>
+      <p:ext uri="{BB962C8B-B14F-4D97-AF65-F5344CB8AC3E}">
+        <p14:creationId xmlns:p14="http://schemas.microsoft.com/office/powerpoint/2010/main" val="3225844296"/>
+      </p:ext>
+    </p:extLst>
+  </p:cSld>
+  <p:clrMapOvr>
+    <a:masterClrMapping/>
+  </p:clrMapOvr>
+</p:sld>
+</file>
+
+<file path=ppt/slides/slide27.xml><?xml version="1.0" encoding="utf-8"?>
+<p:sld xmlns:a="http://schemas.openxmlformats.org/drawingml/2006/main" xmlns:r="http://schemas.openxmlformats.org/officeDocument/2006/relationships" xmlns:p="http://schemas.openxmlformats.org/presentationml/2006/main">
+  <p:cSld>
+    <p:bg>
+      <p:bgPr>
+        <a:solidFill>
+          <a:srgbClr val="B2A2C4"/>
+        </a:solidFill>
+        <a:effectLst/>
+      </p:bgPr>
+    </p:bg>
+    <p:spTree>
+      <p:nvGrpSpPr>
+        <p:cNvPr id="1" name=""/>
+        <p:cNvGrpSpPr/>
+        <p:nvPr/>
+      </p:nvGrpSpPr>
+      <p:grpSpPr>
+        <a:xfrm>
+          <a:off x="0" y="0"/>
+          <a:ext cx="0" cy="0"/>
+          <a:chOff x="0" y="0"/>
+          <a:chExt cx="0" cy="0"/>
+        </a:xfrm>
+      </p:grpSpPr>
+      <p:pic>
+        <p:nvPicPr>
+          <p:cNvPr id="23" name="Picture 22">
+            <a:extLst>
+              <a:ext uri="{FF2B5EF4-FFF2-40B4-BE49-F238E27FC236}">
+                <a16:creationId xmlns:a16="http://schemas.microsoft.com/office/drawing/2014/main" id="{C126E052-B234-044E-8D7A-B3C7EB8256EF}"/>
+              </a:ext>
+            </a:extLst>
+          </p:cNvPr>
+          <p:cNvPicPr>
+            <a:picLocks noChangeAspect="1"/>
+          </p:cNvPicPr>
+          <p:nvPr/>
+        </p:nvPicPr>
+        <p:blipFill>
+          <a:blip r:embed="rId2"/>
+          <a:stretch>
+            <a:fillRect/>
+          </a:stretch>
+        </p:blipFill>
+        <p:spPr>
+          <a:xfrm>
+            <a:off x="732071" y="870857"/>
+            <a:ext cx="7679857" cy="9231086"/>
+          </a:xfrm>
+          <a:prstGeom prst="rect">
+            <a:avLst/>
+          </a:prstGeom>
+        </p:spPr>
+      </p:pic>
+    </p:spTree>
+    <p:extLst>
+      <p:ext uri="{BB962C8B-B14F-4D97-AF65-F5344CB8AC3E}">
+        <p14:creationId xmlns:p14="http://schemas.microsoft.com/office/powerpoint/2010/main" val="1040444368"/>
+      </p:ext>
+    </p:extLst>
+  </p:cSld>
+  <p:clrMapOvr>
+    <a:masterClrMapping/>
+  </p:clrMapOvr>
+</p:sld>
+</file>
+
+<file path=ppt/slides/slide28.xml><?xml version="1.0" encoding="utf-8"?>
+<p:sld xmlns:a="http://schemas.openxmlformats.org/drawingml/2006/main" xmlns:r="http://schemas.openxmlformats.org/officeDocument/2006/relationships" xmlns:p="http://schemas.openxmlformats.org/presentationml/2006/main">
+  <p:cSld>
+    <p:bg>
+      <p:bgPr>
+        <a:solidFill>
+          <a:srgbClr val="B2A2C4"/>
+        </a:solidFill>
+        <a:effectLst/>
+      </p:bgPr>
+    </p:bg>
+    <p:spTree>
+      <p:nvGrpSpPr>
+        <p:cNvPr id="1" name=""/>
+        <p:cNvGrpSpPr/>
+        <p:nvPr/>
+      </p:nvGrpSpPr>
+      <p:grpSpPr>
+        <a:xfrm>
+          <a:off x="0" y="0"/>
+          <a:ext cx="0" cy="0"/>
+          <a:chOff x="0" y="0"/>
+          <a:chExt cx="0" cy="0"/>
+        </a:xfrm>
+      </p:grpSpPr>
+      <p:pic>
+        <p:nvPicPr>
+          <p:cNvPr id="2" name="Picture 1">
+            <a:extLst>
+              <a:ext uri="{FF2B5EF4-FFF2-40B4-BE49-F238E27FC236}">
+                <a16:creationId xmlns:a16="http://schemas.microsoft.com/office/drawing/2014/main" id="{704157D8-E3F9-D748-935F-67A4E4C2096F}"/>
+              </a:ext>
+            </a:extLst>
+          </p:cNvPr>
+          <p:cNvPicPr>
+            <a:picLocks noChangeAspect="1"/>
+          </p:cNvPicPr>
+          <p:nvPr/>
+        </p:nvPicPr>
+        <p:blipFill>
+          <a:blip r:embed="rId2"/>
+          <a:stretch>
+            <a:fillRect/>
+          </a:stretch>
+        </p:blipFill>
+        <p:spPr>
+          <a:xfrm>
+            <a:off x="886787" y="848967"/>
+            <a:ext cx="7370426" cy="9274865"/>
+          </a:xfrm>
+          <a:prstGeom prst="rect">
+            <a:avLst/>
+          </a:prstGeom>
+        </p:spPr>
+      </p:pic>
+    </p:spTree>
+    <p:extLst>
+      <p:ext uri="{BB962C8B-B14F-4D97-AF65-F5344CB8AC3E}">
+        <p14:creationId xmlns:p14="http://schemas.microsoft.com/office/powerpoint/2010/main" val="2633325387"/>
+      </p:ext>
+    </p:extLst>
+  </p:cSld>
+  <p:clrMapOvr>
+    <a:masterClrMapping/>
+  </p:clrMapOvr>
+</p:sld>
+</file>
+
+<file path=ppt/slides/slide29.xml><?xml version="1.0" encoding="utf-8"?>
+<p:sld xmlns:a="http://schemas.openxmlformats.org/drawingml/2006/main" xmlns:r="http://schemas.openxmlformats.org/officeDocument/2006/relationships" xmlns:p="http://schemas.openxmlformats.org/presentationml/2006/main">
+  <p:cSld>
+    <p:bg>
+      <p:bgPr>
+        <a:solidFill>
+          <a:srgbClr val="B2A2C4"/>
+        </a:solidFill>
+        <a:effectLst/>
+      </p:bgPr>
+    </p:bg>
+    <p:spTree>
+      <p:nvGrpSpPr>
+        <p:cNvPr id="1" name=""/>
+        <p:cNvGrpSpPr/>
+        <p:nvPr/>
+      </p:nvGrpSpPr>
+      <p:grpSpPr>
+        <a:xfrm>
+          <a:off x="0" y="0"/>
+          <a:ext cx="0" cy="0"/>
+          <a:chOff x="0" y="0"/>
+          <a:chExt cx="0" cy="0"/>
+        </a:xfrm>
+      </p:grpSpPr>
+      <p:pic>
+        <p:nvPicPr>
+          <p:cNvPr id="4" name="Picture 3">
+            <a:extLst>
+              <a:ext uri="{FF2B5EF4-FFF2-40B4-BE49-F238E27FC236}">
+                <a16:creationId xmlns:a16="http://schemas.microsoft.com/office/drawing/2014/main" id="{D3B4085A-389A-AB40-9837-491C77D07888}"/>
+              </a:ext>
+            </a:extLst>
+          </p:cNvPr>
+          <p:cNvPicPr>
+            <a:picLocks noChangeAspect="1"/>
+          </p:cNvPicPr>
+          <p:nvPr/>
+        </p:nvPicPr>
+        <p:blipFill>
+          <a:blip r:embed="rId2"/>
+          <a:stretch>
+            <a:fillRect/>
+          </a:stretch>
+        </p:blipFill>
+        <p:spPr>
+          <a:xfrm>
+            <a:off x="668604" y="476830"/>
+            <a:ext cx="7806792" cy="10019140"/>
+          </a:xfrm>
+          <a:prstGeom prst="rect">
+            <a:avLst/>
+          </a:prstGeom>
+        </p:spPr>
+      </p:pic>
+    </p:spTree>
+    <p:extLst>
+      <p:ext uri="{BB962C8B-B14F-4D97-AF65-F5344CB8AC3E}">
+        <p14:creationId xmlns:p14="http://schemas.microsoft.com/office/powerpoint/2010/main" val="960578563"/>
+      </p:ext>
+    </p:extLst>
+  </p:cSld>
+  <p:clrMapOvr>
+    <a:masterClrMapping/>
+  </p:clrMapOvr>
+</p:sld>
+</file>
+
 <file path=ppt/slides/slide3.xml><?xml version="1.0" encoding="utf-8"?>
 <p:sld xmlns:a="http://schemas.openxmlformats.org/drawingml/2006/main" xmlns:r="http://schemas.openxmlformats.org/officeDocument/2006/relationships" xmlns:p="http://schemas.openxmlformats.org/presentationml/2006/main">
   <p:cSld>
@@ -14422,6 +15295,210 @@
     <p:extLst>
       <p:ext uri="{BB962C8B-B14F-4D97-AF65-F5344CB8AC3E}">
         <p14:creationId xmlns:p14="http://schemas.microsoft.com/office/powerpoint/2010/main" val="4287204659"/>
+      </p:ext>
+    </p:extLst>
+  </p:cSld>
+  <p:clrMapOvr>
+    <a:masterClrMapping/>
+  </p:clrMapOvr>
+</p:sld>
+</file>
+
+<file path=ppt/slides/slide30.xml><?xml version="1.0" encoding="utf-8"?>
+<p:sld xmlns:a="http://schemas.openxmlformats.org/drawingml/2006/main" xmlns:r="http://schemas.openxmlformats.org/officeDocument/2006/relationships" xmlns:p="http://schemas.openxmlformats.org/presentationml/2006/main">
+  <p:cSld>
+    <p:bg>
+      <p:bgPr>
+        <a:solidFill>
+          <a:srgbClr val="B2A2C4"/>
+        </a:solidFill>
+        <a:effectLst/>
+      </p:bgPr>
+    </p:bg>
+    <p:spTree>
+      <p:nvGrpSpPr>
+        <p:cNvPr id="1" name=""/>
+        <p:cNvGrpSpPr/>
+        <p:nvPr/>
+      </p:nvGrpSpPr>
+      <p:grpSpPr>
+        <a:xfrm>
+          <a:off x="0" y="0"/>
+          <a:ext cx="0" cy="0"/>
+          <a:chOff x="0" y="0"/>
+          <a:chExt cx="0" cy="0"/>
+        </a:xfrm>
+      </p:grpSpPr>
+      <p:pic>
+        <p:nvPicPr>
+          <p:cNvPr id="2" name="Picture 1">
+            <a:extLst>
+              <a:ext uri="{FF2B5EF4-FFF2-40B4-BE49-F238E27FC236}">
+                <a16:creationId xmlns:a16="http://schemas.microsoft.com/office/drawing/2014/main" id="{492D6E18-5A5D-434A-B487-B2C02D058FFE}"/>
+              </a:ext>
+            </a:extLst>
+          </p:cNvPr>
+          <p:cNvPicPr>
+            <a:picLocks noChangeAspect="1"/>
+          </p:cNvPicPr>
+          <p:nvPr/>
+        </p:nvPicPr>
+        <p:blipFill>
+          <a:blip r:embed="rId2"/>
+          <a:stretch>
+            <a:fillRect/>
+          </a:stretch>
+        </p:blipFill>
+        <p:spPr>
+          <a:xfrm>
+            <a:off x="807554" y="885410"/>
+            <a:ext cx="7528892" cy="9201979"/>
+          </a:xfrm>
+          <a:prstGeom prst="rect">
+            <a:avLst/>
+          </a:prstGeom>
+        </p:spPr>
+      </p:pic>
+    </p:spTree>
+    <p:extLst>
+      <p:ext uri="{BB962C8B-B14F-4D97-AF65-F5344CB8AC3E}">
+        <p14:creationId xmlns:p14="http://schemas.microsoft.com/office/powerpoint/2010/main" val="3840685393"/>
+      </p:ext>
+    </p:extLst>
+  </p:cSld>
+  <p:clrMapOvr>
+    <a:masterClrMapping/>
+  </p:clrMapOvr>
+</p:sld>
+</file>
+
+<file path=ppt/slides/slide31.xml><?xml version="1.0" encoding="utf-8"?>
+<p:sld xmlns:a="http://schemas.openxmlformats.org/drawingml/2006/main" xmlns:r="http://schemas.openxmlformats.org/officeDocument/2006/relationships" xmlns:p="http://schemas.openxmlformats.org/presentationml/2006/main">
+  <p:cSld>
+    <p:bg>
+      <p:bgPr>
+        <a:solidFill>
+          <a:srgbClr val="B2A2C4"/>
+        </a:solidFill>
+        <a:effectLst/>
+      </p:bgPr>
+    </p:bg>
+    <p:spTree>
+      <p:nvGrpSpPr>
+        <p:cNvPr id="1" name=""/>
+        <p:cNvGrpSpPr/>
+        <p:nvPr/>
+      </p:nvGrpSpPr>
+      <p:grpSpPr>
+        <a:xfrm>
+          <a:off x="0" y="0"/>
+          <a:ext cx="0" cy="0"/>
+          <a:chOff x="0" y="0"/>
+          <a:chExt cx="0" cy="0"/>
+        </a:xfrm>
+      </p:grpSpPr>
+      <p:pic>
+        <p:nvPicPr>
+          <p:cNvPr id="2" name="Picture 1">
+            <a:extLst>
+              <a:ext uri="{FF2B5EF4-FFF2-40B4-BE49-F238E27FC236}">
+                <a16:creationId xmlns:a16="http://schemas.microsoft.com/office/drawing/2014/main" id="{492D6E18-5A5D-434A-B487-B2C02D058FFE}"/>
+              </a:ext>
+            </a:extLst>
+          </p:cNvPr>
+          <p:cNvPicPr>
+            <a:picLocks noChangeAspect="1"/>
+          </p:cNvPicPr>
+          <p:nvPr/>
+        </p:nvPicPr>
+        <p:blipFill>
+          <a:blip r:embed="rId2"/>
+          <a:stretch>
+            <a:fillRect/>
+          </a:stretch>
+        </p:blipFill>
+        <p:spPr>
+          <a:xfrm>
+            <a:off x="807554" y="885410"/>
+            <a:ext cx="7528892" cy="9201979"/>
+          </a:xfrm>
+          <a:prstGeom prst="rect">
+            <a:avLst/>
+          </a:prstGeom>
+        </p:spPr>
+      </p:pic>
+    </p:spTree>
+    <p:extLst>
+      <p:ext uri="{BB962C8B-B14F-4D97-AF65-F5344CB8AC3E}">
+        <p14:creationId xmlns:p14="http://schemas.microsoft.com/office/powerpoint/2010/main" val="123313780"/>
+      </p:ext>
+    </p:extLst>
+  </p:cSld>
+  <p:clrMapOvr>
+    <a:masterClrMapping/>
+  </p:clrMapOvr>
+</p:sld>
+</file>
+
+<file path=ppt/slides/slide32.xml><?xml version="1.0" encoding="utf-8"?>
+<p:sld xmlns:a="http://schemas.openxmlformats.org/drawingml/2006/main" xmlns:r="http://schemas.openxmlformats.org/officeDocument/2006/relationships" xmlns:p="http://schemas.openxmlformats.org/presentationml/2006/main">
+  <p:cSld>
+    <p:bg>
+      <p:bgPr>
+        <a:solidFill>
+          <a:srgbClr val="B2A2C4"/>
+        </a:solidFill>
+        <a:effectLst/>
+      </p:bgPr>
+    </p:bg>
+    <p:spTree>
+      <p:nvGrpSpPr>
+        <p:cNvPr id="1" name=""/>
+        <p:cNvGrpSpPr/>
+        <p:nvPr/>
+      </p:nvGrpSpPr>
+      <p:grpSpPr>
+        <a:xfrm>
+          <a:off x="0" y="0"/>
+          <a:ext cx="0" cy="0"/>
+          <a:chOff x="0" y="0"/>
+          <a:chExt cx="0" cy="0"/>
+        </a:xfrm>
+      </p:grpSpPr>
+      <p:pic>
+        <p:nvPicPr>
+          <p:cNvPr id="2" name="Picture 1">
+            <a:extLst>
+              <a:ext uri="{FF2B5EF4-FFF2-40B4-BE49-F238E27FC236}">
+                <a16:creationId xmlns:a16="http://schemas.microsoft.com/office/drawing/2014/main" id="{6602DEAC-B6E3-F74E-884B-E55CFC9D5860}"/>
+              </a:ext>
+            </a:extLst>
+          </p:cNvPr>
+          <p:cNvPicPr>
+            <a:picLocks noChangeAspect="1"/>
+          </p:cNvPicPr>
+          <p:nvPr/>
+        </p:nvPicPr>
+        <p:blipFill>
+          <a:blip r:embed="rId2"/>
+          <a:stretch>
+            <a:fillRect/>
+          </a:stretch>
+        </p:blipFill>
+        <p:spPr>
+          <a:xfrm>
+            <a:off x="463550" y="2584450"/>
+            <a:ext cx="8216900" cy="5803900"/>
+          </a:xfrm>
+          <a:prstGeom prst="rect">
+            <a:avLst/>
+          </a:prstGeom>
+        </p:spPr>
+      </p:pic>
+    </p:spTree>
+    <p:extLst>
+      <p:ext uri="{BB962C8B-B14F-4D97-AF65-F5344CB8AC3E}">
+        <p14:creationId xmlns:p14="http://schemas.microsoft.com/office/powerpoint/2010/main" val="408660846"/>
       </p:ext>
     </p:extLst>
   </p:cSld>
